--- a/IBM CALL FOR CODE.pptx
+++ b/IBM CALL FOR CODE.pptx
@@ -112,7 +112,7 @@
   </p:defaultTextStyle>
   <p:extLst>
     <p:ext uri="{EFAFB233-063F-42B5-8137-9DF3F51BA10A}">
-      <p15:sldGuideLst xmlns:p15="http://schemas.microsoft.com/office/powerpoint/2012/main"/>
+      <p15:sldGuideLst xmlns:p15="http://schemas.microsoft.com/office/powerpoint/2012/main" xmlns=""/>
     </p:ext>
   </p:extLst>
 </p:presentation>
@@ -147,7 +147,7 @@
           <a:blip r:embed="rId2">
             <a:extLst>
               <a:ext uri="{28A0092B-C50C-407E-A947-70E740481C1C}">
-                <a14:useLocalDpi xmlns:a14="http://schemas.microsoft.com/office/drawing/2010/main" val="0"/>
+                <a14:useLocalDpi xmlns:a14="http://schemas.microsoft.com/office/drawing/2010/main" xmlns="" val="0"/>
               </a:ext>
             </a:extLst>
           </a:blip>
@@ -289,6 +289,7 @@
           <a:p>
             <a:fld id="{48A87A34-81AB-432B-8DAE-1953F412C126}" type="datetimeFigureOut">
               <a:rPr lang="en-US" dirty="0"/>
+              <a:pPr/>
               <a:t>7/6/2020</a:t>
             </a:fld>
             <a:endParaRPr lang="en-US" dirty="0"/>
@@ -331,6 +332,7 @@
           <a:p>
             <a:fld id="{6D22F896-40B5-4ADD-8801-0D06FADFA095}" type="slidenum">
               <a:rPr lang="en-US" dirty="0"/>
+              <a:pPr/>
               <a:t>‹#›</a:t>
             </a:fld>
             <a:endParaRPr lang="en-US" dirty="0"/>
@@ -374,7 +376,7 @@
           <a:blip r:embed="rId2">
             <a:extLst>
               <a:ext uri="{28A0092B-C50C-407E-A947-70E740481C1C}">
-                <a14:useLocalDpi xmlns:a14="http://schemas.microsoft.com/office/drawing/2010/main" val="0"/>
+                <a14:useLocalDpi xmlns:a14="http://schemas.microsoft.com/office/drawing/2010/main" xmlns="" val="0"/>
               </a:ext>
             </a:extLst>
           </a:blip>
@@ -596,6 +598,7 @@
           <a:p>
             <a:fld id="{48A87A34-81AB-432B-8DAE-1953F412C126}" type="datetimeFigureOut">
               <a:rPr lang="en-US" dirty="0"/>
+              <a:pPr/>
               <a:t>7/6/2020</a:t>
             </a:fld>
             <a:endParaRPr lang="en-US" dirty="0"/>
@@ -638,6 +641,7 @@
           <a:p>
             <a:fld id="{6D22F896-40B5-4ADD-8801-0D06FADFA095}" type="slidenum">
               <a:rPr lang="en-US" dirty="0"/>
+              <a:pPr/>
               <a:t>‹#›</a:t>
             </a:fld>
             <a:endParaRPr lang="en-US" dirty="0"/>
@@ -681,7 +685,7 @@
           <a:blip r:embed="rId2">
             <a:extLst>
               <a:ext uri="{28A0092B-C50C-407E-A947-70E740481C1C}">
-                <a14:useLocalDpi xmlns:a14="http://schemas.microsoft.com/office/drawing/2010/main" val="0"/>
+                <a14:useLocalDpi xmlns:a14="http://schemas.microsoft.com/office/drawing/2010/main" xmlns="" val="0"/>
               </a:ext>
             </a:extLst>
           </a:blip>
@@ -813,6 +817,7 @@
           <a:p>
             <a:fld id="{48A87A34-81AB-432B-8DAE-1953F412C126}" type="datetimeFigureOut">
               <a:rPr lang="en-US" dirty="0"/>
+              <a:pPr/>
               <a:t>7/6/2020</a:t>
             </a:fld>
             <a:endParaRPr lang="en-US" dirty="0"/>
@@ -855,6 +860,7 @@
           <a:p>
             <a:fld id="{6D22F896-40B5-4ADD-8801-0D06FADFA095}" type="slidenum">
               <a:rPr lang="en-US" dirty="0"/>
+              <a:pPr/>
               <a:t>‹#›</a:t>
             </a:fld>
             <a:endParaRPr lang="en-US" dirty="0"/>
@@ -898,7 +904,7 @@
           <a:blip r:embed="rId2">
             <a:extLst>
               <a:ext uri="{28A0092B-C50C-407E-A947-70E740481C1C}">
-                <a14:useLocalDpi xmlns:a14="http://schemas.microsoft.com/office/drawing/2010/main" val="0"/>
+                <a14:useLocalDpi xmlns:a14="http://schemas.microsoft.com/office/drawing/2010/main" xmlns="" val="0"/>
               </a:ext>
             </a:extLst>
           </a:blip>
@@ -1099,6 +1105,7 @@
           <a:p>
             <a:fld id="{48A87A34-81AB-432B-8DAE-1953F412C126}" type="datetimeFigureOut">
               <a:rPr lang="en-US" dirty="0"/>
+              <a:pPr/>
               <a:t>7/6/2020</a:t>
             </a:fld>
             <a:endParaRPr lang="en-US" dirty="0"/>
@@ -1141,6 +1148,7 @@
           <a:p>
             <a:fld id="{6D22F896-40B5-4ADD-8801-0D06FADFA095}" type="slidenum">
               <a:rPr lang="en-US" dirty="0"/>
+              <a:pPr/>
               <a:t>‹#›</a:t>
             </a:fld>
             <a:endParaRPr lang="en-US" dirty="0"/>
@@ -1416,7 +1424,7 @@
           <a:blip r:embed="rId2">
             <a:extLst>
               <a:ext uri="{28A0092B-C50C-407E-A947-70E740481C1C}">
-                <a14:useLocalDpi xmlns:a14="http://schemas.microsoft.com/office/drawing/2010/main" val="0"/>
+                <a14:useLocalDpi xmlns:a14="http://schemas.microsoft.com/office/drawing/2010/main" xmlns="" val="0"/>
               </a:ext>
             </a:extLst>
           </a:blip>
@@ -1548,6 +1556,7 @@
           <a:p>
             <a:fld id="{48A87A34-81AB-432B-8DAE-1953F412C126}" type="datetimeFigureOut">
               <a:rPr lang="en-US" dirty="0"/>
+              <a:pPr/>
               <a:t>7/6/2020</a:t>
             </a:fld>
             <a:endParaRPr lang="en-US" dirty="0"/>
@@ -1590,6 +1599,7 @@
           <a:p>
             <a:fld id="{6D22F896-40B5-4ADD-8801-0D06FADFA095}" type="slidenum">
               <a:rPr lang="en-US" dirty="0"/>
+              <a:pPr/>
               <a:t>‹#›</a:t>
             </a:fld>
             <a:endParaRPr lang="en-US" dirty="0"/>
@@ -1633,7 +1643,7 @@
           <a:blip r:embed="rId2">
             <a:extLst>
               <a:ext uri="{28A0092B-C50C-407E-A947-70E740481C1C}">
-                <a14:useLocalDpi xmlns:a14="http://schemas.microsoft.com/office/drawing/2010/main" val="0"/>
+                <a14:useLocalDpi xmlns:a14="http://schemas.microsoft.com/office/drawing/2010/main" xmlns="" val="0"/>
               </a:ext>
             </a:extLst>
           </a:blip>
@@ -2119,6 +2129,7 @@
           <a:p>
             <a:fld id="{48A87A34-81AB-432B-8DAE-1953F412C126}" type="datetimeFigureOut">
               <a:rPr lang="en-US" dirty="0"/>
+              <a:pPr/>
               <a:t>7/6/2020</a:t>
             </a:fld>
             <a:endParaRPr lang="en-US" dirty="0"/>
@@ -2161,6 +2172,7 @@
           <a:p>
             <a:fld id="{6D22F896-40B5-4ADD-8801-0D06FADFA095}" type="slidenum">
               <a:rPr lang="en-US" dirty="0"/>
+              <a:pPr/>
               <a:t>‹#›</a:t>
             </a:fld>
             <a:endParaRPr lang="en-US" dirty="0"/>
@@ -2204,7 +2216,7 @@
           <a:blip r:embed="rId2">
             <a:extLst>
               <a:ext uri="{28A0092B-C50C-407E-A947-70E740481C1C}">
-                <a14:useLocalDpi xmlns:a14="http://schemas.microsoft.com/office/drawing/2010/main" val="0"/>
+                <a14:useLocalDpi xmlns:a14="http://schemas.microsoft.com/office/drawing/2010/main" xmlns="" val="0"/>
               </a:ext>
             </a:extLst>
           </a:blip>
@@ -2966,6 +2978,7 @@
           <a:p>
             <a:fld id="{48A87A34-81AB-432B-8DAE-1953F412C126}" type="datetimeFigureOut">
               <a:rPr lang="en-US" dirty="0"/>
+              <a:pPr/>
               <a:t>7/6/2020</a:t>
             </a:fld>
             <a:endParaRPr lang="en-US" dirty="0"/>
@@ -3008,6 +3021,7 @@
           <a:p>
             <a:fld id="{6D22F896-40B5-4ADD-8801-0D06FADFA095}" type="slidenum">
               <a:rPr lang="en-US" dirty="0"/>
+              <a:pPr/>
               <a:t>‹#›</a:t>
             </a:fld>
             <a:endParaRPr lang="en-US" dirty="0"/>
@@ -3051,7 +3065,7 @@
           <a:blip r:embed="rId2">
             <a:extLst>
               <a:ext uri="{28A0092B-C50C-407E-A947-70E740481C1C}">
-                <a14:useLocalDpi xmlns:a14="http://schemas.microsoft.com/office/drawing/2010/main" val="0"/>
+                <a14:useLocalDpi xmlns:a14="http://schemas.microsoft.com/office/drawing/2010/main" xmlns="" val="0"/>
               </a:ext>
             </a:extLst>
           </a:blip>
@@ -3166,6 +3180,7 @@
           <a:p>
             <a:fld id="{48A87A34-81AB-432B-8DAE-1953F412C126}" type="datetimeFigureOut">
               <a:rPr lang="en-US" dirty="0"/>
+              <a:pPr/>
               <a:t>7/6/2020</a:t>
             </a:fld>
             <a:endParaRPr lang="en-US" dirty="0"/>
@@ -3208,6 +3223,7 @@
           <a:p>
             <a:fld id="{6D22F896-40B5-4ADD-8801-0D06FADFA095}" type="slidenum">
               <a:rPr lang="en-US" dirty="0"/>
+              <a:pPr/>
               <a:t>‹#›</a:t>
             </a:fld>
             <a:endParaRPr lang="en-US" dirty="0"/>
@@ -3251,7 +3267,7 @@
           <a:blip r:embed="rId2">
             <a:extLst>
               <a:ext uri="{28A0092B-C50C-407E-A947-70E740481C1C}">
-                <a14:useLocalDpi xmlns:a14="http://schemas.microsoft.com/office/drawing/2010/main" val="0"/>
+                <a14:useLocalDpi xmlns:a14="http://schemas.microsoft.com/office/drawing/2010/main" xmlns="" val="0"/>
               </a:ext>
             </a:extLst>
           </a:blip>
@@ -3375,6 +3391,7 @@
           <a:p>
             <a:fld id="{48A87A34-81AB-432B-8DAE-1953F412C126}" type="datetimeFigureOut">
               <a:rPr lang="en-US" dirty="0"/>
+              <a:pPr/>
               <a:t>7/6/2020</a:t>
             </a:fld>
             <a:endParaRPr lang="en-US" dirty="0"/>
@@ -3417,6 +3434,7 @@
           <a:p>
             <a:fld id="{6D22F896-40B5-4ADD-8801-0D06FADFA095}" type="slidenum">
               <a:rPr lang="en-US" dirty="0"/>
+              <a:pPr/>
               <a:t>‹#›</a:t>
             </a:fld>
             <a:endParaRPr lang="en-US" dirty="0"/>
@@ -3460,7 +3478,7 @@
           <a:blip r:embed="rId2">
             <a:extLst>
               <a:ext uri="{28A0092B-C50C-407E-A947-70E740481C1C}">
-                <a14:useLocalDpi xmlns:a14="http://schemas.microsoft.com/office/drawing/2010/main" val="0"/>
+                <a14:useLocalDpi xmlns:a14="http://schemas.microsoft.com/office/drawing/2010/main" xmlns="" val="0"/>
               </a:ext>
             </a:extLst>
           </a:blip>
@@ -3575,6 +3593,7 @@
           <a:p>
             <a:fld id="{48A87A34-81AB-432B-8DAE-1953F412C126}" type="datetimeFigureOut">
               <a:rPr lang="en-US" dirty="0"/>
+              <a:pPr/>
               <a:t>7/6/2020</a:t>
             </a:fld>
             <a:endParaRPr lang="en-US" dirty="0"/>
@@ -3617,6 +3636,7 @@
           <a:p>
             <a:fld id="{6D22F896-40B5-4ADD-8801-0D06FADFA095}" type="slidenum">
               <a:rPr lang="en-US" dirty="0"/>
+              <a:pPr/>
               <a:t>‹#›</a:t>
             </a:fld>
             <a:endParaRPr lang="en-US" dirty="0"/>
@@ -3660,7 +3680,7 @@
           <a:blip r:embed="rId2">
             <a:extLst>
               <a:ext uri="{28A0092B-C50C-407E-A947-70E740481C1C}">
-                <a14:useLocalDpi xmlns:a14="http://schemas.microsoft.com/office/drawing/2010/main" val="0"/>
+                <a14:useLocalDpi xmlns:a14="http://schemas.microsoft.com/office/drawing/2010/main" xmlns="" val="0"/>
               </a:ext>
             </a:extLst>
           </a:blip>
@@ -3850,6 +3870,7 @@
           <a:p>
             <a:fld id="{48A87A34-81AB-432B-8DAE-1953F412C126}" type="datetimeFigureOut">
               <a:rPr lang="en-US" dirty="0"/>
+              <a:pPr/>
               <a:t>7/6/2020</a:t>
             </a:fld>
             <a:endParaRPr lang="en-US" dirty="0"/>
@@ -3892,6 +3913,7 @@
           <a:p>
             <a:fld id="{6D22F896-40B5-4ADD-8801-0D06FADFA095}" type="slidenum">
               <a:rPr lang="en-US" dirty="0"/>
+              <a:pPr/>
               <a:t>‹#›</a:t>
             </a:fld>
             <a:endParaRPr lang="en-US" dirty="0"/>
@@ -3935,7 +3957,7 @@
           <a:blip r:embed="rId2">
             <a:extLst>
               <a:ext uri="{28A0092B-C50C-407E-A947-70E740481C1C}">
-                <a14:useLocalDpi xmlns:a14="http://schemas.microsoft.com/office/drawing/2010/main" val="0"/>
+                <a14:useLocalDpi xmlns:a14="http://schemas.microsoft.com/office/drawing/2010/main" xmlns="" val="0"/>
               </a:ext>
             </a:extLst>
           </a:blip>
@@ -4112,6 +4134,7 @@
           <a:p>
             <a:fld id="{48A87A34-81AB-432B-8DAE-1953F412C126}" type="datetimeFigureOut">
               <a:rPr lang="en-US" dirty="0"/>
+              <a:pPr/>
               <a:t>7/6/2020</a:t>
             </a:fld>
             <a:endParaRPr lang="en-US" dirty="0"/>
@@ -4154,6 +4177,7 @@
           <a:p>
             <a:fld id="{6D22F896-40B5-4ADD-8801-0D06FADFA095}" type="slidenum">
               <a:rPr lang="en-US" dirty="0"/>
+              <a:pPr/>
               <a:t>‹#›</a:t>
             </a:fld>
             <a:endParaRPr lang="en-US" dirty="0"/>
@@ -4197,7 +4221,7 @@
           <a:blip r:embed="rId2">
             <a:extLst>
               <a:ext uri="{28A0092B-C50C-407E-A947-70E740481C1C}">
-                <a14:useLocalDpi xmlns:a14="http://schemas.microsoft.com/office/drawing/2010/main" val="0"/>
+                <a14:useLocalDpi xmlns:a14="http://schemas.microsoft.com/office/drawing/2010/main" xmlns="" val="0"/>
               </a:ext>
             </a:extLst>
           </a:blip>
@@ -4522,6 +4546,7 @@
           <a:p>
             <a:fld id="{48A87A34-81AB-432B-8DAE-1953F412C126}" type="datetimeFigureOut">
               <a:rPr lang="en-US" dirty="0"/>
+              <a:pPr/>
               <a:t>7/6/2020</a:t>
             </a:fld>
             <a:endParaRPr lang="en-US" dirty="0"/>
@@ -4564,6 +4589,7 @@
           <a:p>
             <a:fld id="{6D22F896-40B5-4ADD-8801-0D06FADFA095}" type="slidenum">
               <a:rPr lang="en-US" dirty="0"/>
+              <a:pPr/>
               <a:t>‹#›</a:t>
             </a:fld>
             <a:endParaRPr lang="en-US" dirty="0"/>
@@ -4607,7 +4633,7 @@
           <a:blip r:embed="rId2">
             <a:extLst>
               <a:ext uri="{28A0092B-C50C-407E-A947-70E740481C1C}">
-                <a14:useLocalDpi xmlns:a14="http://schemas.microsoft.com/office/drawing/2010/main" val="0"/>
+                <a14:useLocalDpi xmlns:a14="http://schemas.microsoft.com/office/drawing/2010/main" xmlns="" val="0"/>
               </a:ext>
             </a:extLst>
           </a:blip>
@@ -4665,6 +4691,7 @@
           <a:p>
             <a:fld id="{48A87A34-81AB-432B-8DAE-1953F412C126}" type="datetimeFigureOut">
               <a:rPr lang="en-US" dirty="0"/>
+              <a:pPr/>
               <a:t>7/6/2020</a:t>
             </a:fld>
             <a:endParaRPr lang="en-US" dirty="0"/>
@@ -4707,6 +4734,7 @@
           <a:p>
             <a:fld id="{6D22F896-40B5-4ADD-8801-0D06FADFA095}" type="slidenum">
               <a:rPr lang="en-US" dirty="0"/>
+              <a:pPr/>
               <a:t>‹#›</a:t>
             </a:fld>
             <a:endParaRPr lang="en-US" dirty="0"/>
@@ -4750,7 +4778,7 @@
           <a:blip r:embed="rId2">
             <a:extLst>
               <a:ext uri="{28A0092B-C50C-407E-A947-70E740481C1C}">
-                <a14:useLocalDpi xmlns:a14="http://schemas.microsoft.com/office/drawing/2010/main" val="0"/>
+                <a14:useLocalDpi xmlns:a14="http://schemas.microsoft.com/office/drawing/2010/main" xmlns="" val="0"/>
               </a:ext>
             </a:extLst>
           </a:blip>
@@ -4785,6 +4813,7 @@
           <a:p>
             <a:fld id="{48A87A34-81AB-432B-8DAE-1953F412C126}" type="datetimeFigureOut">
               <a:rPr lang="en-US" dirty="0"/>
+              <a:pPr/>
               <a:t>7/6/2020</a:t>
             </a:fld>
             <a:endParaRPr lang="en-US" dirty="0"/>
@@ -4827,6 +4856,7 @@
           <a:p>
             <a:fld id="{6D22F896-40B5-4ADD-8801-0D06FADFA095}" type="slidenum">
               <a:rPr lang="en-US" dirty="0"/>
+              <a:pPr/>
               <a:t>‹#›</a:t>
             </a:fld>
             <a:endParaRPr lang="en-US" dirty="0"/>
@@ -4870,7 +4900,7 @@
           <a:blip r:embed="rId2">
             <a:extLst>
               <a:ext uri="{28A0092B-C50C-407E-A947-70E740481C1C}">
-                <a14:useLocalDpi xmlns:a14="http://schemas.microsoft.com/office/drawing/2010/main" val="0"/>
+                <a14:useLocalDpi xmlns:a14="http://schemas.microsoft.com/office/drawing/2010/main" xmlns="" val="0"/>
               </a:ext>
             </a:extLst>
           </a:blip>
@@ -5059,6 +5089,7 @@
           <a:p>
             <a:fld id="{48A87A34-81AB-432B-8DAE-1953F412C126}" type="datetimeFigureOut">
               <a:rPr lang="en-US" dirty="0"/>
+              <a:pPr/>
               <a:t>7/6/2020</a:t>
             </a:fld>
             <a:endParaRPr lang="en-US" dirty="0"/>
@@ -5101,6 +5132,7 @@
           <a:p>
             <a:fld id="{6D22F896-40B5-4ADD-8801-0D06FADFA095}" type="slidenum">
               <a:rPr lang="en-US" dirty="0"/>
+              <a:pPr/>
               <a:t>‹#›</a:t>
             </a:fld>
             <a:endParaRPr lang="en-US" dirty="0"/>
@@ -5144,7 +5176,7 @@
           <a:blip r:embed="rId2">
             <a:extLst>
               <a:ext uri="{28A0092B-C50C-407E-A947-70E740481C1C}">
-                <a14:useLocalDpi xmlns:a14="http://schemas.microsoft.com/office/drawing/2010/main" val="0"/>
+                <a14:useLocalDpi xmlns:a14="http://schemas.microsoft.com/office/drawing/2010/main" xmlns="" val="0"/>
               </a:ext>
             </a:extLst>
           </a:blip>
@@ -5366,6 +5398,7 @@
           <a:p>
             <a:fld id="{48A87A34-81AB-432B-8DAE-1953F412C126}" type="datetimeFigureOut">
               <a:rPr lang="en-US" dirty="0"/>
+              <a:pPr/>
               <a:t>7/6/2020</a:t>
             </a:fld>
             <a:endParaRPr lang="en-US" dirty="0"/>
@@ -5408,6 +5441,7 @@
           <a:p>
             <a:fld id="{6D22F896-40B5-4ADD-8801-0D06FADFA095}" type="slidenum">
               <a:rPr lang="en-US" dirty="0"/>
+              <a:pPr/>
               <a:t>‹#›</a:t>
             </a:fld>
             <a:endParaRPr lang="en-US" dirty="0"/>
@@ -5457,7 +5491,7 @@
             <a:alphaModFix/>
             <a:extLst>
               <a:ext uri="{28A0092B-C50C-407E-A947-70E740481C1C}">
-                <a14:useLocalDpi xmlns:a14="http://schemas.microsoft.com/office/drawing/2010/main" val="0"/>
+                <a14:useLocalDpi xmlns:a14="http://schemas.microsoft.com/office/drawing/2010/main" xmlns="" val="0"/>
               </a:ext>
             </a:extLst>
           </a:blip>
@@ -5477,7 +5511,7 @@
           <a:noFill/>
           <a:extLst>
             <a:ext uri="{909E8E84-426E-40DD-AFC4-6F175D3DCCD1}">
-              <a14:hiddenFill xmlns:a14="http://schemas.microsoft.com/office/drawing/2010/main">
+              <a14:hiddenFill xmlns:a14="http://schemas.microsoft.com/office/drawing/2010/main" xmlns="">
                 <a:solidFill>
                   <a:srgbClr val="FFFFFF"/>
                 </a:solidFill>
@@ -6060,7 +6094,7 @@
           <p:cNvPr id="2" name="Title 1">
             <a:extLst>
               <a:ext uri="{FF2B5EF4-FFF2-40B4-BE49-F238E27FC236}">
-                <a16:creationId xmlns:a16="http://schemas.microsoft.com/office/drawing/2014/main" id="{0675822C-E7C8-40AC-B8C6-31E150E296E1}"/>
+                <a16:creationId xmlns:a16="http://schemas.microsoft.com/office/drawing/2014/main" xmlns="" id="{0675822C-E7C8-40AC-B8C6-31E150E296E1}"/>
               </a:ext>
             </a:extLst>
           </p:cNvPr>
@@ -6108,7 +6142,7 @@
           <p:cNvPr id="3" name="Subtitle 2">
             <a:extLst>
               <a:ext uri="{FF2B5EF4-FFF2-40B4-BE49-F238E27FC236}">
-                <a16:creationId xmlns:a16="http://schemas.microsoft.com/office/drawing/2014/main" id="{DD956DEA-7314-4CF4-906E-361829D1815B}"/>
+                <a16:creationId xmlns:a16="http://schemas.microsoft.com/office/drawing/2014/main" xmlns="" id="{DD956DEA-7314-4CF4-906E-361829D1815B}"/>
               </a:ext>
             </a:extLst>
           </p:cNvPr>
@@ -6138,7 +6172,7 @@
           <p:cNvPr id="6" name="Picture 5">
             <a:extLst>
               <a:ext uri="{FF2B5EF4-FFF2-40B4-BE49-F238E27FC236}">
-                <a16:creationId xmlns:a16="http://schemas.microsoft.com/office/drawing/2014/main" id="{2408BE3B-438C-43CA-8709-D19945BDFBDA}"/>
+                <a16:creationId xmlns:a16="http://schemas.microsoft.com/office/drawing/2014/main" xmlns="" id="{2408BE3B-438C-43CA-8709-D19945BDFBDA}"/>
               </a:ext>
             </a:extLst>
           </p:cNvPr>
@@ -6168,7 +6202,7 @@
           <p:cNvPr id="11" name="Picture 10">
             <a:extLst>
               <a:ext uri="{FF2B5EF4-FFF2-40B4-BE49-F238E27FC236}">
-                <a16:creationId xmlns:a16="http://schemas.microsoft.com/office/drawing/2014/main" id="{A29E8A5B-25B4-435C-AB5C-B03D06EC9FD4}"/>
+                <a16:creationId xmlns:a16="http://schemas.microsoft.com/office/drawing/2014/main" xmlns="" id="{A29E8A5B-25B4-435C-AB5C-B03D06EC9FD4}"/>
               </a:ext>
             </a:extLst>
           </p:cNvPr>
@@ -6196,7 +6230,7 @@
     </p:spTree>
     <p:extLst>
       <p:ext uri="{BB962C8B-B14F-4D97-AF65-F5344CB8AC3E}">
-        <p14:creationId xmlns:p14="http://schemas.microsoft.com/office/powerpoint/2010/main" val="1118266015"/>
+        <p14:creationId xmlns:p14="http://schemas.microsoft.com/office/powerpoint/2010/main" xmlns="" val="1118266015"/>
       </p:ext>
     </p:extLst>
   </p:cSld>
@@ -6228,7 +6262,7 @@
           <p:cNvPr id="3" name="Content Placeholder 2">
             <a:extLst>
               <a:ext uri="{FF2B5EF4-FFF2-40B4-BE49-F238E27FC236}">
-                <a16:creationId xmlns:a16="http://schemas.microsoft.com/office/drawing/2014/main" id="{C6425705-6533-4638-A55B-DCEC01A48FE3}"/>
+                <a16:creationId xmlns:a16="http://schemas.microsoft.com/office/drawing/2014/main" xmlns="" id="{C6425705-6533-4638-A55B-DCEC01A48FE3}"/>
               </a:ext>
             </a:extLst>
           </p:cNvPr>
@@ -6256,8 +6290,35 @@
             </a:pPr>
             <a:r>
               <a:rPr lang="en-IN" sz="4000" dirty="0"/>
-              <a:t>Team members</a:t>
-            </a:r>
+              <a:t>Team </a:t>
+            </a:r>
+            <a:r>
+              <a:rPr lang="en-IN" sz="4000" dirty="0" smtClean="0"/>
+              <a:t>members: </a:t>
+            </a:r>
+            <a:r>
+              <a:rPr lang="en-IN" sz="4000" dirty="0" err="1" smtClean="0"/>
+              <a:t>l.v.sriramya</a:t>
+            </a:r>
+            <a:endParaRPr lang="en-IN" sz="4000" dirty="0" smtClean="0"/>
+          </a:p>
+          <a:p>
+            <a:pPr marL="0" indent="0">
+              <a:buNone/>
+            </a:pPr>
+            <a:r>
+              <a:rPr lang="en-IN" sz="4000" dirty="0" err="1" smtClean="0"/>
+              <a:t>d.ramya,krishna</a:t>
+            </a:r>
+            <a:r>
+              <a:rPr lang="en-IN" sz="4000" dirty="0" smtClean="0"/>
+              <a:t> </a:t>
+            </a:r>
+            <a:r>
+              <a:rPr lang="en-IN" sz="4000" dirty="0" err="1" smtClean="0"/>
+              <a:t>murthy.v</a:t>
+            </a:r>
+            <a:endParaRPr lang="en-IN" sz="4000" dirty="0"/>
           </a:p>
         </p:txBody>
       </p:sp>
@@ -6266,7 +6327,7 @@
           <p:cNvPr id="4" name="TextBox 3">
             <a:extLst>
               <a:ext uri="{FF2B5EF4-FFF2-40B4-BE49-F238E27FC236}">
-                <a16:creationId xmlns:a16="http://schemas.microsoft.com/office/drawing/2014/main" id="{D0EF6DC6-5800-408C-81E2-39B625F1E01A}"/>
+                <a16:creationId xmlns:a16="http://schemas.microsoft.com/office/drawing/2014/main" xmlns="" id="{D0EF6DC6-5800-408C-81E2-39B625F1E01A}"/>
               </a:ext>
             </a:extLst>
           </p:cNvPr>
@@ -6301,7 +6362,7 @@
           <p:cNvPr id="6" name="TextBox 5">
             <a:extLst>
               <a:ext uri="{FF2B5EF4-FFF2-40B4-BE49-F238E27FC236}">
-                <a16:creationId xmlns:a16="http://schemas.microsoft.com/office/drawing/2014/main" id="{B2EF1098-C031-4D5D-BD5A-7C4CDD65C6DC}"/>
+                <a16:creationId xmlns:a16="http://schemas.microsoft.com/office/drawing/2014/main" xmlns="" id="{B2EF1098-C031-4D5D-BD5A-7C4CDD65C6DC}"/>
               </a:ext>
             </a:extLst>
           </p:cNvPr>
@@ -6336,7 +6397,7 @@
           <p:cNvPr id="2" name="TextBox 1">
             <a:extLst>
               <a:ext uri="{FF2B5EF4-FFF2-40B4-BE49-F238E27FC236}">
-                <a16:creationId xmlns:a16="http://schemas.microsoft.com/office/drawing/2014/main" id="{61088B72-02FC-4415-94B4-107B829A000B}"/>
+                <a16:creationId xmlns:a16="http://schemas.microsoft.com/office/drawing/2014/main" xmlns="" id="{61088B72-02FC-4415-94B4-107B829A000B}"/>
               </a:ext>
             </a:extLst>
           </p:cNvPr>
@@ -6369,7 +6430,7 @@
     </p:spTree>
     <p:extLst>
       <p:ext uri="{BB962C8B-B14F-4D97-AF65-F5344CB8AC3E}">
-        <p14:creationId xmlns:p14="http://schemas.microsoft.com/office/powerpoint/2010/main" val="196640878"/>
+        <p14:creationId xmlns:p14="http://schemas.microsoft.com/office/powerpoint/2010/main" xmlns="" val="196640878"/>
       </p:ext>
     </p:extLst>
   </p:cSld>
@@ -6401,7 +6462,7 @@
           <p:cNvPr id="2" name="Title 1">
             <a:extLst>
               <a:ext uri="{FF2B5EF4-FFF2-40B4-BE49-F238E27FC236}">
-                <a16:creationId xmlns:a16="http://schemas.microsoft.com/office/drawing/2014/main" id="{5F5062F3-5956-4F76-B14D-99B5089A6262}"/>
+                <a16:creationId xmlns:a16="http://schemas.microsoft.com/office/drawing/2014/main" xmlns="" id="{5F5062F3-5956-4F76-B14D-99B5089A6262}"/>
               </a:ext>
             </a:extLst>
           </p:cNvPr>
@@ -6435,7 +6496,7 @@
           <p:cNvPr id="4" name="Picture 3">
             <a:extLst>
               <a:ext uri="{FF2B5EF4-FFF2-40B4-BE49-F238E27FC236}">
-                <a16:creationId xmlns:a16="http://schemas.microsoft.com/office/drawing/2014/main" id="{1D0543BD-DD53-4D1D-A2D3-5140E36ACB00}"/>
+                <a16:creationId xmlns:a16="http://schemas.microsoft.com/office/drawing/2014/main" xmlns="" id="{1D0543BD-DD53-4D1D-A2D3-5140E36ACB00}"/>
               </a:ext>
             </a:extLst>
           </p:cNvPr>
@@ -6463,7 +6524,7 @@
     </p:spTree>
     <p:extLst>
       <p:ext uri="{BB962C8B-B14F-4D97-AF65-F5344CB8AC3E}">
-        <p14:creationId xmlns:p14="http://schemas.microsoft.com/office/powerpoint/2010/main" val="3160751944"/>
+        <p14:creationId xmlns:p14="http://schemas.microsoft.com/office/powerpoint/2010/main" xmlns="" val="3160751944"/>
       </p:ext>
     </p:extLst>
   </p:cSld>
@@ -6495,7 +6556,7 @@
           <p:cNvPr id="2" name="Title 1">
             <a:extLst>
               <a:ext uri="{FF2B5EF4-FFF2-40B4-BE49-F238E27FC236}">
-                <a16:creationId xmlns:a16="http://schemas.microsoft.com/office/drawing/2014/main" id="{BEF64478-3E18-4C28-AF57-CA0DB2017D14}"/>
+                <a16:creationId xmlns:a16="http://schemas.microsoft.com/office/drawing/2014/main" xmlns="" id="{BEF64478-3E18-4C28-AF57-CA0DB2017D14}"/>
               </a:ext>
             </a:extLst>
           </p:cNvPr>
@@ -6553,7 +6614,7 @@
           <p:cNvPr id="4" name="Picture 3">
             <a:extLst>
               <a:ext uri="{FF2B5EF4-FFF2-40B4-BE49-F238E27FC236}">
-                <a16:creationId xmlns:a16="http://schemas.microsoft.com/office/drawing/2014/main" id="{5677622F-CA03-4F9A-AC9B-A37CF1C834B2}"/>
+                <a16:creationId xmlns:a16="http://schemas.microsoft.com/office/drawing/2014/main" xmlns="" id="{5677622F-CA03-4F9A-AC9B-A37CF1C834B2}"/>
               </a:ext>
             </a:extLst>
           </p:cNvPr>
@@ -6581,7 +6642,7 @@
     </p:spTree>
     <p:extLst>
       <p:ext uri="{BB962C8B-B14F-4D97-AF65-F5344CB8AC3E}">
-        <p14:creationId xmlns:p14="http://schemas.microsoft.com/office/powerpoint/2010/main" val="93738860"/>
+        <p14:creationId xmlns:p14="http://schemas.microsoft.com/office/powerpoint/2010/main" xmlns="" val="93738860"/>
       </p:ext>
     </p:extLst>
   </p:cSld>
@@ -6613,7 +6674,7 @@
           <p:cNvPr id="4" name="Picture 3">
             <a:extLst>
               <a:ext uri="{FF2B5EF4-FFF2-40B4-BE49-F238E27FC236}">
-                <a16:creationId xmlns:a16="http://schemas.microsoft.com/office/drawing/2014/main" id="{27D8CC3C-EF16-4E6C-B1DD-EA429549DEAE}"/>
+                <a16:creationId xmlns:a16="http://schemas.microsoft.com/office/drawing/2014/main" xmlns="" id="{27D8CC3C-EF16-4E6C-B1DD-EA429549DEAE}"/>
               </a:ext>
             </a:extLst>
           </p:cNvPr>
@@ -6642,7 +6703,7 @@
           <p:cNvPr id="6" name="Picture 5">
             <a:extLst>
               <a:ext uri="{FF2B5EF4-FFF2-40B4-BE49-F238E27FC236}">
-                <a16:creationId xmlns:a16="http://schemas.microsoft.com/office/drawing/2014/main" id="{03DA84B7-8C89-4ED3-BA76-332DA5E84E89}"/>
+                <a16:creationId xmlns:a16="http://schemas.microsoft.com/office/drawing/2014/main" xmlns="" id="{03DA84B7-8C89-4ED3-BA76-332DA5E84E89}"/>
               </a:ext>
             </a:extLst>
           </p:cNvPr>
@@ -6669,7 +6730,7 @@
     </p:spTree>
     <p:extLst>
       <p:ext uri="{BB962C8B-B14F-4D97-AF65-F5344CB8AC3E}">
-        <p14:creationId xmlns:p14="http://schemas.microsoft.com/office/powerpoint/2010/main" val="859829629"/>
+        <p14:creationId xmlns:p14="http://schemas.microsoft.com/office/powerpoint/2010/main" xmlns="" val="859829629"/>
       </p:ext>
     </p:extLst>
   </p:cSld>
@@ -6701,7 +6762,7 @@
           <p:cNvPr id="3" name="Rectangle 2">
             <a:extLst>
               <a:ext uri="{FF2B5EF4-FFF2-40B4-BE49-F238E27FC236}">
-                <a16:creationId xmlns:a16="http://schemas.microsoft.com/office/drawing/2014/main" id="{78EEB6D3-3766-4D8F-A764-9D757DD2BC2C}"/>
+                <a16:creationId xmlns:a16="http://schemas.microsoft.com/office/drawing/2014/main" xmlns="" id="{78EEB6D3-3766-4D8F-A764-9D757DD2BC2C}"/>
               </a:ext>
             </a:extLst>
           </p:cNvPr>
@@ -6798,7 +6859,7 @@
     </p:spTree>
     <p:extLst>
       <p:ext uri="{BB962C8B-B14F-4D97-AF65-F5344CB8AC3E}">
-        <p14:creationId xmlns:p14="http://schemas.microsoft.com/office/powerpoint/2010/main" val="1242414015"/>
+        <p14:creationId xmlns:p14="http://schemas.microsoft.com/office/powerpoint/2010/main" xmlns="" val="1242414015"/>
       </p:ext>
     </p:extLst>
   </p:cSld>
@@ -6830,7 +6891,7 @@
           <p:cNvPr id="4" name="Title 3">
             <a:extLst>
               <a:ext uri="{FF2B5EF4-FFF2-40B4-BE49-F238E27FC236}">
-                <a16:creationId xmlns:a16="http://schemas.microsoft.com/office/drawing/2014/main" id="{FAB18B31-24DC-4BFF-8457-3918DF6A7AB5}"/>
+                <a16:creationId xmlns:a16="http://schemas.microsoft.com/office/drawing/2014/main" xmlns="" id="{FAB18B31-24DC-4BFF-8457-3918DF6A7AB5}"/>
               </a:ext>
             </a:extLst>
           </p:cNvPr>
@@ -6858,7 +6919,7 @@
           <p:cNvPr id="5" name="TextBox 4">
             <a:extLst>
               <a:ext uri="{FF2B5EF4-FFF2-40B4-BE49-F238E27FC236}">
-                <a16:creationId xmlns:a16="http://schemas.microsoft.com/office/drawing/2014/main" id="{FD946AB0-3E0A-470A-A418-DE0F460A9362}"/>
+                <a16:creationId xmlns:a16="http://schemas.microsoft.com/office/drawing/2014/main" xmlns="" id="{FD946AB0-3E0A-470A-A418-DE0F460A9362}"/>
               </a:ext>
             </a:extLst>
           </p:cNvPr>
@@ -6882,15 +6943,8 @@
           <a:lstStyle/>
           <a:p>
             <a:r>
-              <a:rPr lang="en-IN" b="0" i="0" u="none" strike="noStrike" dirty="0">
-                <a:solidFill>
-                  <a:srgbClr val="0F62FE"/>
-                </a:solidFill>
-                <a:effectLst/>
-                <a:latin typeface="IBM Plex Sans"/>
-                <a:hlinkClick r:id="rId2"/>
-              </a:rPr>
-              <a:t>https://web-chat.global.assistant.watson.cloud.ibm.com/preview.html?region=eu-gb&amp;integrationID=b3c5d2e9-7ffe-44a7-878d-e6603e4b8a13&amp;serviceInstanceID=d28cc84f-1c3c-4d79-818d-a6b722c461f2</a:t>
+              <a:rPr lang="en-IN" dirty="0" smtClean="0"/>
+              <a:t>https://web-chat.global.assistant.watson.cloud.ibm.com/preview.html?region=au-syd&amp;integrationID=b7ee774e-47d3-4a85-b341-cfbc3a9c816c&amp;serviceInstanceID=2f471eba-c1f1-4e4f-bf00-773373c3e234</a:t>
             </a:r>
             <a:endParaRPr lang="en-IN" dirty="0"/>
           </a:p>
@@ -6899,7 +6953,7 @@
     </p:spTree>
     <p:extLst>
       <p:ext uri="{BB962C8B-B14F-4D97-AF65-F5344CB8AC3E}">
-        <p14:creationId xmlns:p14="http://schemas.microsoft.com/office/powerpoint/2010/main" val="2054068251"/>
+        <p14:creationId xmlns:p14="http://schemas.microsoft.com/office/powerpoint/2010/main" xmlns="" val="2054068251"/>
       </p:ext>
     </p:extLst>
   </p:cSld>
@@ -6952,7 +7006,7 @@
     </a:clrScheme>
     <a:fontScheme name="Droplet">
       <a:majorFont>
-        <a:latin typeface="Tw Cen MT" panose="020B0602020104020603"/>
+        <a:latin typeface="Tw Cen MT"/>
         <a:ea typeface=""/>
         <a:cs typeface=""/>
         <a:font script="Jpan" typeface="ＭＳ Ｐゴシック"/>
@@ -6987,7 +7041,7 @@
         <a:font script="Geor" typeface="Sylfaen"/>
       </a:majorFont>
       <a:minorFont>
-        <a:latin typeface="Tw Cen MT" panose="020B0602020104020603"/>
+        <a:latin typeface="Tw Cen MT"/>
         <a:ea typeface=""/>
         <a:cs typeface=""/>
         <a:font script="Jpan" typeface="ＭＳ Ｐゴシック"/>
@@ -7167,7 +7221,7 @@
   <a:extraClrSchemeLst/>
   <a:extLst>
     <a:ext uri="{05A4C25C-085E-4340-85A3-A5531E510DB2}">
-      <thm15:themeFamily xmlns:thm15="http://schemas.microsoft.com/office/thememl/2012/main" name="Droplet" id="{8984A317-299A-4E50-B45D-BFC9EDE2337A}" vid="{A633B6A3-9E7F-4C10-9C98-2517A3134361}"/>
+      <thm15:themeFamily xmlns:thm15="http://schemas.microsoft.com/office/thememl/2012/main" xmlns="" name="Droplet" id="{8984A317-299A-4E50-B45D-BFC9EDE2337A}" vid="{A633B6A3-9E7F-4C10-9C98-2517A3134361}"/>
     </a:ext>
   </a:extLst>
 </a:theme>
